--- a/lectures3/gr/Pythonlearn-02-Expressions.pptx
+++ b/lectures3/gr/Pythonlearn-02-Expressions.pptx
@@ -21479,7 +21479,7 @@
                 <a:cs typeface="Arial" charset="0"/>
                 <a:sym typeface="Cabin"/>
               </a:rPr>
-              <a:t>Όταν συνδυάσεις σε μια έκφραση ακεραίους και κινητής υποδιαστολής, ο ακέραιος</a:t>
+              <a:t>Όταν συνδυάζετε σε μια έκφραση ακεραίους και κινητής υποδιαστολής, ο ακέραιος</a:t>
             </a:r>
             <a:r>
               <a:rPr lang="en-US" sz="3600" u="none" strike="noStrike" cap="none" dirty="0">

--- a/lectures3/gr/Pythonlearn-02-Expressions.pptx
+++ b/lectures3/gr/Pythonlearn-02-Expressions.pptx
@@ -41,7 +41,7 @@
     <p:sldId id="282" r:id="rId32"/>
     <p:sldId id="289" r:id="rId33"/>
     <p:sldId id="288" r:id="rId34"/>
-    <p:sldId id="303" r:id="rId35"/>
+    <p:sldId id="320" r:id="rId35"/>
   </p:sldIdLst>
   <p:sldSz cx="16256000" cy="9144000"/>
   <p:notesSz cx="6858000" cy="9144000"/>
@@ -6391,7 +6391,7 @@
               <a:buNone/>
             </a:pPr>
             <a:r>
-              <a:rPr lang="en-US" sz="3000" dirty="0">
+              <a:rPr lang="el-GR" sz="3000" dirty="0">
                 <a:solidFill>
                   <a:srgbClr val="00FF00"/>
                 </a:solidFill>
@@ -6400,7 +6400,7 @@
                 <a:cs typeface="Courier"/>
                 <a:sym typeface="Courier New"/>
               </a:rPr>
-              <a:t>ores</a:t>
+              <a:t>ώρες</a:t>
             </a:r>
             <a:r>
               <a:rPr lang="en-US" sz="3000" i="0" u="none" strike="noStrike" cap="none" dirty="0">
@@ -6434,7 +6434,7 @@
               <a:buNone/>
             </a:pPr>
             <a:r>
-              <a:rPr lang="en-US" sz="3000" i="0" u="none" strike="noStrike" cap="none" dirty="0" err="1">
+              <a:rPr lang="el-GR" sz="3000" i="0" u="none" strike="noStrike" cap="none" dirty="0">
                 <a:solidFill>
                   <a:srgbClr val="00FF00"/>
                 </a:solidFill>
@@ -6443,7 +6443,7 @@
                 <a:cs typeface="Courier"/>
                 <a:sym typeface="Courier New"/>
               </a:rPr>
-              <a:t>oromisthio</a:t>
+              <a:t>ωρομίσθιο</a:t>
             </a:r>
             <a:r>
               <a:rPr lang="en-US" sz="3000" i="0" u="none" strike="noStrike" cap="none" dirty="0">
@@ -6477,7 +6477,7 @@
               <a:buNone/>
             </a:pPr>
             <a:r>
-              <a:rPr lang="en-US" sz="3000" i="0" u="none" strike="noStrike" cap="none" dirty="0" err="1">
+              <a:rPr lang="el-GR" sz="3000" i="0" u="none" strike="noStrike" cap="none" dirty="0">
                 <a:solidFill>
                   <a:srgbClr val="00FF00"/>
                 </a:solidFill>
@@ -6486,7 +6486,7 @@
                 <a:cs typeface="Courier"/>
                 <a:sym typeface="Courier New"/>
               </a:rPr>
-              <a:t>misthos</a:t>
+              <a:t>μισθός</a:t>
             </a:r>
             <a:r>
               <a:rPr lang="en-US" sz="3000" i="0" u="none" strike="noStrike" cap="none" dirty="0">
@@ -6498,10 +6498,10 @@
                 <a:cs typeface="Courier"/>
                 <a:sym typeface="Courier New"/>
               </a:rPr>
-              <a:t> = ores * </a:t>
-            </a:r>
-            <a:r>
-              <a:rPr lang="en-US" sz="3000" i="0" u="none" strike="noStrike" cap="none" dirty="0" err="1">
+              <a:t> = </a:t>
+            </a:r>
+            <a:r>
+              <a:rPr lang="el-GR" sz="3000" i="0" u="none" strike="noStrike" cap="none" dirty="0">
                 <a:solidFill>
                   <a:srgbClr val="00FF00"/>
                 </a:solidFill>
@@ -6510,7 +6510,31 @@
                 <a:cs typeface="Courier"/>
                 <a:sym typeface="Courier New"/>
               </a:rPr>
-              <a:t>oromisthio</a:t>
+              <a:t>ώρες</a:t>
+            </a:r>
+            <a:r>
+              <a:rPr lang="en-US" sz="3000" i="0" u="none" strike="noStrike" cap="none" dirty="0">
+                <a:solidFill>
+                  <a:srgbClr val="00FF00"/>
+                </a:solidFill>
+                <a:latin typeface="Courier"/>
+                <a:ea typeface="Courier"/>
+                <a:cs typeface="Courier"/>
+                <a:sym typeface="Courier New"/>
+              </a:rPr>
+              <a:t> * </a:t>
+            </a:r>
+            <a:r>
+              <a:rPr lang="el-GR" sz="3000" i="0" u="none" strike="noStrike" cap="none" dirty="0">
+                <a:solidFill>
+                  <a:srgbClr val="00FF00"/>
+                </a:solidFill>
+                <a:latin typeface="Courier"/>
+                <a:ea typeface="Courier"/>
+                <a:cs typeface="Courier"/>
+                <a:sym typeface="Courier New"/>
+              </a:rPr>
+              <a:t>ωρομίσθιο</a:t>
             </a:r>
             <a:r>
               <a:rPr lang="en-US" sz="3000" i="0" u="none" strike="noStrike" cap="none" dirty="0">
@@ -6556,7 +6580,7 @@
               <a:t>print(</a:t>
             </a:r>
             <a:r>
-              <a:rPr lang="en-US" sz="3000" i="0" u="none" strike="noStrike" cap="none" dirty="0" err="1">
+              <a:rPr lang="el-GR" sz="3000" i="0" u="none" strike="noStrike" cap="none" dirty="0">
                 <a:solidFill>
                   <a:srgbClr val="00FF00"/>
                 </a:solidFill>
@@ -6565,7 +6589,7 @@
                 <a:cs typeface="Courier"/>
                 <a:sym typeface="Courier New"/>
               </a:rPr>
-              <a:t>misthos</a:t>
+              <a:t>μισθός</a:t>
             </a:r>
             <a:r>
               <a:rPr lang="en-US" sz="3000" i="0" u="none" strike="noStrike" cap="none" dirty="0">
@@ -25004,7 +25028,7 @@
               <a:buNone/>
             </a:pPr>
             <a:r>
-              <a:rPr lang="en-US" sz="3000" i="0" u="none" strike="noStrike" cap="none" dirty="0" err="1">
+              <a:rPr lang="el-GR" sz="3000" i="0" u="none" strike="noStrike" cap="none" dirty="0">
                 <a:solidFill>
                   <a:srgbClr val="00FF00"/>
                 </a:solidFill>
@@ -25013,7 +25037,7 @@
                 <a:cs typeface="Courier"/>
                 <a:sym typeface="Courier New"/>
               </a:rPr>
-              <a:t>nam</a:t>
+              <a:t>όνομα</a:t>
             </a:r>
             <a:r>
               <a:rPr lang="en-US" sz="3000" i="0" u="none" strike="noStrike" cap="none" dirty="0">
@@ -25061,7 +25085,7 @@
                 <a:cs typeface="Courier"/>
                 <a:sym typeface="Courier New"/>
               </a:rPr>
-              <a:t>‘</a:t>
+              <a:t>'</a:t>
             </a:r>
             <a:r>
               <a:rPr lang="el-GR" sz="3000" i="0" u="none" strike="noStrike" cap="none" dirty="0">
@@ -25141,7 +25165,7 @@
                 <a:cs typeface="Courier"/>
                 <a:sym typeface="Courier New"/>
               </a:rPr>
-              <a:t>‘</a:t>
+              <a:t>'</a:t>
             </a:r>
             <a:r>
               <a:rPr lang="el-GR" sz="3000" i="0" u="none" strike="noStrike" cap="none" dirty="0" err="1">
@@ -25168,7 +25192,7 @@
               <a:t>', </a:t>
             </a:r>
             <a:r>
-              <a:rPr lang="en-US" sz="3000" i="0" u="none" strike="noStrike" cap="none" dirty="0" err="1">
+              <a:rPr lang="el-GR" sz="3000" i="0" u="none" strike="noStrike" cap="none" dirty="0">
                 <a:solidFill>
                   <a:srgbClr val="00FF00"/>
                 </a:solidFill>
@@ -25177,7 +25201,7 @@
                 <a:cs typeface="Courier"/>
                 <a:sym typeface="Courier New"/>
               </a:rPr>
-              <a:t>nam</a:t>
+              <a:t>όνομα</a:t>
             </a:r>
             <a:r>
               <a:rPr lang="en-US" sz="3000" dirty="0">
@@ -25611,16 +25635,16 @@
               <a:t>input(</a:t>
             </a:r>
             <a:r>
-              <a:rPr lang="en-US" sz="2800" dirty="0">
-                <a:solidFill>
-                  <a:schemeClr val="lt1"/>
-                </a:solidFill>
-                <a:latin typeface="Courier"/>
-                <a:ea typeface="Courier"/>
-                <a:cs typeface="Courier"/>
-                <a:sym typeface="Courier New"/>
-              </a:rPr>
-              <a:t>‘</a:t>
+              <a:rPr lang="en-US" sz="2800" i="0" u="none" strike="noStrike" cap="none" dirty="0">
+                <a:solidFill>
+                  <a:schemeClr val="lt1"/>
+                </a:solidFill>
+                <a:latin typeface="Courier"/>
+                <a:ea typeface="Courier"/>
+                <a:cs typeface="Courier"/>
+                <a:sym typeface="Courier New"/>
+              </a:rPr>
+              <a:t>'</a:t>
             </a:r>
             <a:r>
               <a:rPr lang="el-GR" sz="2800" dirty="0">
@@ -25826,7 +25850,7 @@
                 <a:cs typeface="Courier"/>
                 <a:sym typeface="Courier New"/>
               </a:rPr>
-              <a:t>‘</a:t>
+              <a:t>'</a:t>
             </a:r>
             <a:r>
               <a:rPr lang="el-GR" sz="2800" i="0" u="none" strike="noStrike" cap="none" dirty="0">
@@ -27350,8 +27374,8 @@
         </p:nvSpPr>
         <p:spPr>
           <a:xfrm>
-            <a:off x="3752236" y="685801"/>
-            <a:ext cx="8751529" cy="7620000"/>
+            <a:off x="3640189" y="685801"/>
+            <a:ext cx="8975622" cy="7620000"/>
           </a:xfrm>
           <a:prstGeom prst="rect">
             <a:avLst/>
@@ -27437,6 +27461,18 @@
               <a:buNone/>
             </a:pPr>
             <a:r>
+              <a:rPr lang="el-GR" sz="2400" i="0" u="none" strike="noStrike" cap="none" dirty="0">
+                <a:solidFill>
+                  <a:schemeClr val="lt1"/>
+                </a:solidFill>
+                <a:latin typeface="Courier"/>
+                <a:ea typeface="Courier"/>
+                <a:cs typeface="Courier"/>
+                <a:sym typeface="Courier New"/>
+              </a:rPr>
+              <a:t>όνομα</a:t>
+            </a:r>
+            <a:r>
               <a:rPr lang="en-US" sz="2400" i="0" u="none" strike="noStrike" cap="none" dirty="0">
                 <a:solidFill>
                   <a:schemeClr val="lt1"/>
@@ -27446,7 +27482,31 @@
                 <a:cs typeface="Courier"/>
                 <a:sym typeface="Courier New"/>
               </a:rPr>
-              <a:t>name = input('Enter file:')</a:t>
+              <a:t> = input('</a:t>
+            </a:r>
+            <a:r>
+              <a:rPr lang="el-GR" sz="2400" i="0" u="none" strike="noStrike" cap="none" dirty="0">
+                <a:solidFill>
+                  <a:schemeClr val="lt1"/>
+                </a:solidFill>
+                <a:latin typeface="Courier"/>
+                <a:ea typeface="Courier"/>
+                <a:cs typeface="Courier"/>
+                <a:sym typeface="Courier New"/>
+              </a:rPr>
+              <a:t>Δώστε αρχείο</a:t>
+            </a:r>
+            <a:r>
+              <a:rPr lang="en-US" sz="2400" i="0" u="none" strike="noStrike" cap="none" dirty="0">
+                <a:solidFill>
+                  <a:schemeClr val="lt1"/>
+                </a:solidFill>
+                <a:latin typeface="Courier"/>
+                <a:ea typeface="Courier"/>
+                <a:cs typeface="Courier"/>
+                <a:sym typeface="Courier New"/>
+              </a:rPr>
+              <a:t>:')</a:t>
             </a:r>
           </a:p>
           <a:p>
@@ -27477,7 +27537,31 @@
                 <a:cs typeface="Courier"/>
                 <a:sym typeface="Courier New"/>
               </a:rPr>
-              <a:t>handle = open(name, 'r')</a:t>
+              <a:t>handle = open(</a:t>
+            </a:r>
+            <a:r>
+              <a:rPr lang="el-GR" sz="2400" i="0" u="none" strike="noStrike" cap="none" dirty="0">
+                <a:solidFill>
+                  <a:schemeClr val="lt1"/>
+                </a:solidFill>
+                <a:latin typeface="Courier"/>
+                <a:ea typeface="Courier"/>
+                <a:cs typeface="Courier"/>
+                <a:sym typeface="Courier New"/>
+              </a:rPr>
+              <a:t>όνομα</a:t>
+            </a:r>
+            <a:r>
+              <a:rPr lang="en-US" sz="2400" i="0" u="none" strike="noStrike" cap="none" dirty="0">
+                <a:solidFill>
+                  <a:schemeClr val="lt1"/>
+                </a:solidFill>
+                <a:latin typeface="Courier"/>
+                <a:ea typeface="Courier"/>
+                <a:cs typeface="Courier"/>
+                <a:sym typeface="Courier New"/>
+              </a:rPr>
+              <a:t>, 'r')</a:t>
             </a:r>
           </a:p>
           <a:p>
@@ -27563,6 +27647,18 @@
               <a:buSzPct val="25000"/>
             </a:pPr>
             <a:r>
+              <a:rPr lang="el-GR" sz="2400" dirty="0">
+                <a:solidFill>
+                  <a:srgbClr val="FFFFFF"/>
+                </a:solidFill>
+                <a:latin typeface="Courier"/>
+                <a:ea typeface="Courier"/>
+                <a:cs typeface="Courier"/>
+                <a:sym typeface="Courier New"/>
+              </a:rPr>
+              <a:t>πλήθη</a:t>
+            </a:r>
+            <a:r>
               <a:rPr lang="en-US" sz="2400" dirty="0">
                 <a:solidFill>
                   <a:srgbClr val="FFFFFF"/>
@@ -27572,7 +27668,7 @@
                 <a:cs typeface="Courier"/>
                 <a:sym typeface="Courier New"/>
               </a:rPr>
-              <a:t>counts = </a:t>
+              <a:t> = </a:t>
             </a:r>
             <a:r>
               <a:rPr lang="en-US" sz="2400" dirty="0" err="1">
@@ -27616,7 +27712,31 @@
                 <a:cs typeface="Courier"/>
                 <a:sym typeface="Courier New"/>
               </a:rPr>
-              <a:t>for line in handle:</a:t>
+              <a:t>for </a:t>
+            </a:r>
+            <a:r>
+              <a:rPr lang="el-GR" sz="2400" dirty="0">
+                <a:solidFill>
+                  <a:srgbClr val="FFFFFF"/>
+                </a:solidFill>
+                <a:latin typeface="Courier"/>
+                <a:ea typeface="Courier"/>
+                <a:cs typeface="Courier"/>
+                <a:sym typeface="Courier New"/>
+              </a:rPr>
+              <a:t>γραμμή</a:t>
+            </a:r>
+            <a:r>
+              <a:rPr lang="en-US" sz="2400" dirty="0">
+                <a:solidFill>
+                  <a:srgbClr val="FFFFFF"/>
+                </a:solidFill>
+                <a:latin typeface="Courier"/>
+                <a:ea typeface="Courier"/>
+                <a:cs typeface="Courier"/>
+                <a:sym typeface="Courier New"/>
+              </a:rPr>
+              <a:t> in handle:</a:t>
             </a:r>
           </a:p>
           <a:p>
@@ -27636,10 +27756,10 @@
                 <a:cs typeface="Courier"/>
                 <a:sym typeface="Courier New"/>
               </a:rPr>
-              <a:t>    words = </a:t>
-            </a:r>
-            <a:r>
-              <a:rPr lang="en-US" sz="2400" dirty="0" err="1">
+              <a:t>    </a:t>
+            </a:r>
+            <a:r>
+              <a:rPr lang="el-GR" sz="2400" dirty="0">
                 <a:solidFill>
                   <a:srgbClr val="FFFFFF"/>
                 </a:solidFill>
@@ -27648,7 +27768,7 @@
                 <a:cs typeface="Courier"/>
                 <a:sym typeface="Courier New"/>
               </a:rPr>
-              <a:t>line.split</a:t>
+              <a:t>λέξεις</a:t>
             </a:r>
             <a:r>
               <a:rPr lang="en-US" sz="2400" dirty="0">
@@ -27660,7 +27780,31 @@
                 <a:cs typeface="Courier"/>
                 <a:sym typeface="Courier New"/>
               </a:rPr>
-              <a:t>()</a:t>
+              <a:t> = </a:t>
+            </a:r>
+            <a:r>
+              <a:rPr lang="el-GR" sz="2400" dirty="0">
+                <a:solidFill>
+                  <a:srgbClr val="FFFFFF"/>
+                </a:solidFill>
+                <a:latin typeface="Courier"/>
+                <a:ea typeface="Courier"/>
+                <a:cs typeface="Courier"/>
+                <a:sym typeface="Courier New"/>
+              </a:rPr>
+              <a:t>γραμμή</a:t>
+            </a:r>
+            <a:r>
+              <a:rPr lang="en-US" sz="2400" dirty="0">
+                <a:solidFill>
+                  <a:srgbClr val="FFFFFF"/>
+                </a:solidFill>
+                <a:latin typeface="Courier"/>
+                <a:ea typeface="Courier"/>
+                <a:cs typeface="Courier"/>
+                <a:sym typeface="Courier New"/>
+              </a:rPr>
+              <a:t>.split()</a:t>
             </a:r>
           </a:p>
           <a:p>
@@ -27680,7 +27824,55 @@
                 <a:cs typeface="Courier"/>
                 <a:sym typeface="Courier New"/>
               </a:rPr>
-              <a:t>    for word in words:</a:t>
+              <a:t>    for </a:t>
+            </a:r>
+            <a:r>
+              <a:rPr lang="el-GR" sz="2400" dirty="0">
+                <a:solidFill>
+                  <a:srgbClr val="FFFFFF"/>
+                </a:solidFill>
+                <a:latin typeface="Courier"/>
+                <a:ea typeface="Courier"/>
+                <a:cs typeface="Courier"/>
+                <a:sym typeface="Courier New"/>
+              </a:rPr>
+              <a:t>λέξη</a:t>
+            </a:r>
+            <a:r>
+              <a:rPr lang="en-US" sz="2400" dirty="0">
+                <a:solidFill>
+                  <a:srgbClr val="FFFFFF"/>
+                </a:solidFill>
+                <a:latin typeface="Courier"/>
+                <a:ea typeface="Courier"/>
+                <a:cs typeface="Courier"/>
+                <a:sym typeface="Courier New"/>
+              </a:rPr>
+              <a:t> in </a:t>
+            </a:r>
+            <a:r>
+              <a:rPr lang="el-GR" sz="2400" dirty="0">
+                <a:solidFill>
+                  <a:srgbClr val="FFFFFF"/>
+                </a:solidFill>
+                <a:latin typeface="Courier"/>
+                <a:ea typeface="Courier"/>
+                <a:cs typeface="Courier"/>
+                <a:sym typeface="Courier New"/>
+              </a:rPr>
+              <a:t>λέξεις</a:t>
+            </a:r>
+            <a:r>
+              <a:rPr lang="en-US" sz="2400" dirty="0">
+                <a:solidFill>
+                  <a:srgbClr val="FFFFFF"/>
+                </a:solidFill>
+                <a:latin typeface="Courier"/>
+                <a:ea typeface="Courier"/>
+                <a:cs typeface="Courier"/>
+                <a:sym typeface="Courier New"/>
+              </a:rPr>
+              <a:t>:</a:t>
             </a:r>
           </a:p>
           <a:p>
@@ -27691,6 +27883,18 @@
               <a:buSzPct val="25000"/>
             </a:pPr>
             <a:r>
+              <a:rPr lang="el-GR" sz="2400" dirty="0">
+                <a:solidFill>
+                  <a:srgbClr val="FFFFFF"/>
+                </a:solidFill>
+                <a:latin typeface="Courier"/>
+                <a:ea typeface="Courier"/>
+                <a:cs typeface="Courier"/>
+                <a:sym typeface="Courier New"/>
+              </a:rPr>
+              <a:t>	   πλήθη</a:t>
+            </a:r>
+            <a:r>
               <a:rPr lang="en-US" sz="2400" dirty="0">
                 <a:solidFill>
                   <a:srgbClr val="FFFFFF"/>
@@ -27700,10 +27904,10 @@
                 <a:cs typeface="Courier"/>
                 <a:sym typeface="Courier New"/>
               </a:rPr>
-              <a:t>        counts[word] = </a:t>
-            </a:r>
-            <a:r>
-              <a:rPr lang="en-US" sz="2400" dirty="0" err="1">
+              <a:t>[</a:t>
+            </a:r>
+            <a:r>
+              <a:rPr lang="el-GR" sz="2400" dirty="0">
                 <a:solidFill>
                   <a:srgbClr val="FFFFFF"/>
                 </a:solidFill>
@@ -27712,7 +27916,7 @@
                 <a:cs typeface="Courier"/>
                 <a:sym typeface="Courier New"/>
               </a:rPr>
-              <a:t>counts.get</a:t>
+              <a:t>λέξη</a:t>
             </a:r>
             <a:r>
               <a:rPr lang="en-US" sz="2400" dirty="0">
@@ -27724,7 +27928,55 @@
                 <a:cs typeface="Courier"/>
                 <a:sym typeface="Courier New"/>
               </a:rPr>
-              <a:t>(word,0) + 1</a:t>
+              <a:t>] = </a:t>
+            </a:r>
+            <a:r>
+              <a:rPr lang="el-GR" sz="2400" dirty="0">
+                <a:solidFill>
+                  <a:srgbClr val="FFFFFF"/>
+                </a:solidFill>
+                <a:latin typeface="Courier"/>
+                <a:ea typeface="Courier"/>
+                <a:cs typeface="Courier"/>
+                <a:sym typeface="Courier New"/>
+              </a:rPr>
+              <a:t>πλήθη</a:t>
+            </a:r>
+            <a:r>
+              <a:rPr lang="en-US" sz="2400" dirty="0">
+                <a:solidFill>
+                  <a:srgbClr val="FFFFFF"/>
+                </a:solidFill>
+                <a:latin typeface="Courier"/>
+                <a:ea typeface="Courier"/>
+                <a:cs typeface="Courier"/>
+                <a:sym typeface="Courier New"/>
+              </a:rPr>
+              <a:t>.get(</a:t>
+            </a:r>
+            <a:r>
+              <a:rPr lang="el-GR" sz="2400" dirty="0">
+                <a:solidFill>
+                  <a:srgbClr val="FFFFFF"/>
+                </a:solidFill>
+                <a:latin typeface="Courier"/>
+                <a:ea typeface="Courier"/>
+                <a:cs typeface="Courier"/>
+                <a:sym typeface="Courier New"/>
+              </a:rPr>
+              <a:t>λέξη</a:t>
+            </a:r>
+            <a:r>
+              <a:rPr lang="en-US" sz="2400" dirty="0">
+                <a:solidFill>
+                  <a:srgbClr val="FFFFFF"/>
+                </a:solidFill>
+                <a:latin typeface="Courier"/>
+                <a:ea typeface="Courier"/>
+                <a:cs typeface="Courier"/>
+                <a:sym typeface="Courier New"/>
+              </a:rPr>
+              <a:t>,0) + 1</a:t>
             </a:r>
           </a:p>
           <a:p>
@@ -27821,7 +28073,7 @@
               <a:buNone/>
             </a:pPr>
             <a:r>
-              <a:rPr lang="en-US" sz="2400" i="0" u="none" strike="noStrike" cap="none" dirty="0" err="1">
+              <a:rPr lang="en-US" sz="2400" i="0" u="none" strike="noStrike" cap="none" dirty="0">
                 <a:solidFill>
                   <a:srgbClr val="FFFFFF"/>
                 </a:solidFill>
@@ -27830,7 +28082,19 @@
                 <a:cs typeface="Courier"/>
                 <a:sym typeface="Courier New"/>
               </a:rPr>
-              <a:t>bigcount</a:t>
+              <a:t>max</a:t>
+            </a:r>
+            <a:r>
+              <a:rPr lang="el-GR" sz="2400" i="0" u="none" strike="noStrike" cap="none" dirty="0">
+                <a:solidFill>
+                  <a:srgbClr val="FFFFFF"/>
+                </a:solidFill>
+                <a:latin typeface="Courier"/>
+                <a:ea typeface="Courier"/>
+                <a:cs typeface="Courier"/>
+                <a:sym typeface="Courier New"/>
+              </a:rPr>
+              <a:t>πλήθος</a:t>
             </a:r>
             <a:r>
               <a:rPr lang="en-US" sz="2400" i="0" u="none" strike="noStrike" cap="none" dirty="0">
@@ -27864,7 +28128,7 @@
               <a:buNone/>
             </a:pPr>
             <a:r>
-              <a:rPr lang="en-US" sz="2400" i="0" u="none" strike="noStrike" cap="none" dirty="0" err="1">
+              <a:rPr lang="en-US" sz="2400" i="0" u="none" strike="noStrike" cap="none" dirty="0">
                 <a:solidFill>
                   <a:srgbClr val="FFFFFF"/>
                 </a:solidFill>
@@ -27873,7 +28137,19 @@
                 <a:cs typeface="Courier"/>
                 <a:sym typeface="Courier New"/>
               </a:rPr>
-              <a:t>bigword</a:t>
+              <a:t>max</a:t>
+            </a:r>
+            <a:r>
+              <a:rPr lang="el-GR" sz="2400" i="0" u="none" strike="noStrike" cap="none" dirty="0">
+                <a:solidFill>
+                  <a:srgbClr val="FFFFFF"/>
+                </a:solidFill>
+                <a:latin typeface="Courier"/>
+                <a:ea typeface="Courier"/>
+                <a:cs typeface="Courier"/>
+                <a:sym typeface="Courier New"/>
+              </a:rPr>
+              <a:t>λέξη</a:t>
             </a:r>
             <a:r>
               <a:rPr lang="en-US" sz="2400" i="0" u="none" strike="noStrike" cap="none" dirty="0">
@@ -27919,7 +28195,7 @@
               <a:t>for </a:t>
             </a:r>
             <a:r>
-              <a:rPr lang="en-US" sz="2400" i="0" u="none" strike="noStrike" cap="none" dirty="0" err="1">
+              <a:rPr lang="el-GR" sz="2400" dirty="0">
                 <a:solidFill>
                   <a:srgbClr val="FFFFFF"/>
                 </a:solidFill>
@@ -27928,7 +28204,7 @@
                 <a:cs typeface="Courier"/>
                 <a:sym typeface="Courier New"/>
               </a:rPr>
-              <a:t>word,count</a:t>
+              <a:t>λέξη</a:t>
             </a:r>
             <a:r>
               <a:rPr lang="en-US" sz="2400" i="0" u="none" strike="noStrike" cap="none" dirty="0">
@@ -27940,10 +28216,34 @@
                 <a:cs typeface="Courier"/>
                 <a:sym typeface="Courier New"/>
               </a:rPr>
+              <a:t>,</a:t>
+            </a:r>
+            <a:r>
+              <a:rPr lang="el-GR" sz="2400" i="0" u="none" strike="noStrike" cap="none" dirty="0">
+                <a:solidFill>
+                  <a:srgbClr val="FFFFFF"/>
+                </a:solidFill>
+                <a:latin typeface="Courier"/>
+                <a:ea typeface="Courier"/>
+                <a:cs typeface="Courier"/>
+                <a:sym typeface="Courier New"/>
+              </a:rPr>
+              <a:t> πλήθος</a:t>
+            </a:r>
+            <a:r>
+              <a:rPr lang="en-US" sz="2400" i="0" u="none" strike="noStrike" cap="none" dirty="0">
+                <a:solidFill>
+                  <a:srgbClr val="FFFFFF"/>
+                </a:solidFill>
+                <a:latin typeface="Courier"/>
+                <a:ea typeface="Courier"/>
+                <a:cs typeface="Courier"/>
+                <a:sym typeface="Courier New"/>
+              </a:rPr>
               <a:t> in </a:t>
             </a:r>
             <a:r>
-              <a:rPr lang="en-US" sz="2400" i="0" u="none" strike="noStrike" cap="none" dirty="0" err="1">
+              <a:rPr lang="el-GR" sz="2400" dirty="0">
                 <a:solidFill>
                   <a:srgbClr val="FFFFFF"/>
                 </a:solidFill>
@@ -27952,7 +28252,7 @@
                 <a:cs typeface="Courier"/>
                 <a:sym typeface="Courier New"/>
               </a:rPr>
-              <a:t>counts.items</a:t>
+              <a:t>πλήθη</a:t>
             </a:r>
             <a:r>
               <a:rPr lang="en-US" sz="2400" i="0" u="none" strike="noStrike" cap="none" dirty="0">
@@ -27964,7 +28264,7 @@
                 <a:cs typeface="Courier"/>
                 <a:sym typeface="Courier New"/>
               </a:rPr>
-              <a:t>():</a:t>
+              <a:t>.items():</a:t>
             </a:r>
           </a:p>
           <a:p>
@@ -27995,10 +28295,10 @@
                 <a:cs typeface="Courier"/>
                 <a:sym typeface="Courier New"/>
               </a:rPr>
-              <a:t>    if </a:t>
-            </a:r>
-            <a:r>
-              <a:rPr lang="en-US" sz="2400" i="0" u="none" strike="noStrike" cap="none" dirty="0" err="1">
+              <a:t>    if max</a:t>
+            </a:r>
+            <a:r>
+              <a:rPr lang="el-GR" sz="2400" i="0" u="none" strike="noStrike" cap="none" dirty="0">
                 <a:solidFill>
                   <a:srgbClr val="FFFFFF"/>
                 </a:solidFill>
@@ -28007,7 +28307,7 @@
                 <a:cs typeface="Courier"/>
                 <a:sym typeface="Courier New"/>
               </a:rPr>
-              <a:t>bigcount</a:t>
+              <a:t>πλήθος</a:t>
             </a:r>
             <a:r>
               <a:rPr lang="en-US" sz="2400" i="0" u="none" strike="noStrike" cap="none" dirty="0">
@@ -28019,10 +28319,10 @@
                 <a:cs typeface="Courier"/>
                 <a:sym typeface="Courier New"/>
               </a:rPr>
-              <a:t> is None or count &gt; </a:t>
-            </a:r>
-            <a:r>
-              <a:rPr lang="en-US" sz="2400" i="0" u="none" strike="noStrike" cap="none" dirty="0" err="1">
+              <a:t> is None or </a:t>
+            </a:r>
+            <a:r>
+              <a:rPr lang="el-GR" sz="2400" i="0" u="none" strike="noStrike" cap="none" dirty="0">
                 <a:solidFill>
                   <a:srgbClr val="FFFFFF"/>
                 </a:solidFill>
@@ -28031,7 +28331,31 @@
                 <a:cs typeface="Courier"/>
                 <a:sym typeface="Courier New"/>
               </a:rPr>
-              <a:t>bigcount</a:t>
+              <a:t>πλήθος</a:t>
+            </a:r>
+            <a:r>
+              <a:rPr lang="en-US" sz="2400" i="0" u="none" strike="noStrike" cap="none" dirty="0">
+                <a:solidFill>
+                  <a:srgbClr val="FFFFFF"/>
+                </a:solidFill>
+                <a:latin typeface="Courier"/>
+                <a:ea typeface="Courier"/>
+                <a:cs typeface="Courier"/>
+                <a:sym typeface="Courier New"/>
+              </a:rPr>
+              <a:t> &gt; max</a:t>
+            </a:r>
+            <a:r>
+              <a:rPr lang="el-GR" sz="2400" i="0" u="none" strike="noStrike" cap="none" dirty="0">
+                <a:solidFill>
+                  <a:srgbClr val="FFFFFF"/>
+                </a:solidFill>
+                <a:latin typeface="Courier"/>
+                <a:ea typeface="Courier"/>
+                <a:cs typeface="Courier"/>
+                <a:sym typeface="Courier New"/>
+              </a:rPr>
+              <a:t>πλήθος </a:t>
             </a:r>
             <a:r>
               <a:rPr lang="en-US" sz="2400" i="0" u="none" strike="noStrike" cap="none" dirty="0">
@@ -28065,6 +28389,18 @@
               <a:buNone/>
             </a:pPr>
             <a:r>
+              <a:rPr lang="el-GR" sz="2400" i="0" u="none" strike="noStrike" cap="none" dirty="0">
+                <a:solidFill>
+                  <a:srgbClr val="FFFFFF"/>
+                </a:solidFill>
+                <a:latin typeface="Courier"/>
+                <a:ea typeface="Courier"/>
+                <a:cs typeface="Courier"/>
+                <a:sym typeface="Courier New"/>
+              </a:rPr>
+              <a:t>	   </a:t>
+            </a:r>
+            <a:r>
               <a:rPr lang="en-US" sz="2400" i="0" u="none" strike="noStrike" cap="none" dirty="0">
                 <a:solidFill>
                   <a:srgbClr val="FFFFFF"/>
@@ -28074,10 +28410,10 @@
                 <a:cs typeface="Courier"/>
                 <a:sym typeface="Courier New"/>
               </a:rPr>
-              <a:t>        </a:t>
-            </a:r>
-            <a:r>
-              <a:rPr lang="en-US" sz="2400" i="0" u="none" strike="noStrike" cap="none" dirty="0" err="1">
+              <a:t>max</a:t>
+            </a:r>
+            <a:r>
+              <a:rPr lang="el-GR" sz="2400" i="0" u="none" strike="noStrike" cap="none" dirty="0">
                 <a:solidFill>
                   <a:srgbClr val="FFFFFF"/>
                 </a:solidFill>
@@ -28086,7 +28422,7 @@
                 <a:cs typeface="Courier"/>
                 <a:sym typeface="Courier New"/>
               </a:rPr>
-              <a:t>bigword</a:t>
+              <a:t>λέξη</a:t>
             </a:r>
             <a:r>
               <a:rPr lang="en-US" sz="2400" i="0" u="none" strike="noStrike" cap="none" dirty="0">
@@ -28098,8 +28434,29 @@
                 <a:cs typeface="Courier"/>
                 <a:sym typeface="Courier New"/>
               </a:rPr>
-              <a:t> = word</a:t>
-            </a:r>
+              <a:t> = </a:t>
+            </a:r>
+            <a:r>
+              <a:rPr lang="el-GR" sz="2400" dirty="0">
+                <a:solidFill>
+                  <a:srgbClr val="FFFFFF"/>
+                </a:solidFill>
+                <a:latin typeface="Courier"/>
+                <a:ea typeface="Courier"/>
+                <a:cs typeface="Courier"/>
+                <a:sym typeface="Courier New"/>
+              </a:rPr>
+              <a:t>λέξη</a:t>
+            </a:r>
+            <a:endParaRPr lang="en-US" sz="2400" i="0" u="none" strike="noStrike" cap="none" dirty="0">
+              <a:solidFill>
+                <a:srgbClr val="FFFFFF"/>
+              </a:solidFill>
+              <a:latin typeface="Courier"/>
+              <a:ea typeface="Courier"/>
+              <a:cs typeface="Courier"/>
+              <a:sym typeface="Courier New"/>
+            </a:endParaRPr>
           </a:p>
           <a:p>
             <a:pPr marL="0" marR="0" lvl="0" indent="0" algn="l" rtl="0">
@@ -28120,6 +28477,18 @@
               <a:buNone/>
             </a:pPr>
             <a:r>
+              <a:rPr lang="el-GR" sz="2400" i="0" u="none" strike="noStrike" cap="none" dirty="0">
+                <a:solidFill>
+                  <a:srgbClr val="FFFFFF"/>
+                </a:solidFill>
+                <a:latin typeface="Courier"/>
+                <a:ea typeface="Courier"/>
+                <a:cs typeface="Courier"/>
+                <a:sym typeface="Courier New"/>
+              </a:rPr>
+              <a:t>	   </a:t>
+            </a:r>
+            <a:r>
               <a:rPr lang="en-US" sz="2400" i="0" u="none" strike="noStrike" cap="none" dirty="0">
                 <a:solidFill>
                   <a:srgbClr val="FFFFFF"/>
@@ -28129,10 +28498,10 @@
                 <a:cs typeface="Courier"/>
                 <a:sym typeface="Courier New"/>
               </a:rPr>
-              <a:t>        </a:t>
-            </a:r>
-            <a:r>
-              <a:rPr lang="en-US" sz="2400" i="0" u="none" strike="noStrike" cap="none" dirty="0" err="1">
+              <a:t>max</a:t>
+            </a:r>
+            <a:r>
+              <a:rPr lang="el-GR" sz="2400" i="0" u="none" strike="noStrike" cap="none" dirty="0">
                 <a:solidFill>
                   <a:srgbClr val="FFFFFF"/>
                 </a:solidFill>
@@ -28141,7 +28510,7 @@
                 <a:cs typeface="Courier"/>
                 <a:sym typeface="Courier New"/>
               </a:rPr>
-              <a:t>bigcount</a:t>
+              <a:t>πλήθος</a:t>
             </a:r>
             <a:r>
               <a:rPr lang="en-US" sz="2400" i="0" u="none" strike="noStrike" cap="none" dirty="0">
@@ -28153,8 +28522,29 @@
                 <a:cs typeface="Courier"/>
                 <a:sym typeface="Courier New"/>
               </a:rPr>
-              <a:t> = count</a:t>
-            </a:r>
+              <a:t> = </a:t>
+            </a:r>
+            <a:r>
+              <a:rPr lang="el-GR" sz="2400" i="0" u="none" strike="noStrike" cap="none" dirty="0">
+                <a:solidFill>
+                  <a:srgbClr val="FFFFFF"/>
+                </a:solidFill>
+                <a:latin typeface="Courier"/>
+                <a:ea typeface="Courier"/>
+                <a:cs typeface="Courier"/>
+                <a:sym typeface="Courier New"/>
+              </a:rPr>
+              <a:t>πλήθος</a:t>
+            </a:r>
+            <a:endParaRPr lang="en-US" sz="2400" i="0" u="none" strike="noStrike" cap="none" dirty="0">
+              <a:solidFill>
+                <a:srgbClr val="FFFFFF"/>
+              </a:solidFill>
+              <a:latin typeface="Courier"/>
+              <a:ea typeface="Courier"/>
+              <a:cs typeface="Courier"/>
+              <a:sym typeface="Courier New"/>
+            </a:endParaRPr>
           </a:p>
           <a:p>
             <a:pPr marL="0" marR="0" lvl="0" indent="0" algn="ctr" rtl="0">
@@ -28283,10 +28673,10 @@
                 <a:cs typeface="Courier"/>
                 <a:sym typeface="Courier New"/>
               </a:rPr>
-              <a:t>rint(</a:t>
-            </a:r>
-            <a:r>
-              <a:rPr lang="en-US" sz="2400" i="0" u="none" strike="noStrike" cap="none" dirty="0" err="1">
+              <a:t>rint(max</a:t>
+            </a:r>
+            <a:r>
+              <a:rPr lang="el-GR" sz="2400" i="0" u="none" strike="noStrike" cap="none" dirty="0">
                 <a:solidFill>
                   <a:srgbClr val="FFFFFF"/>
                 </a:solidFill>
@@ -28295,7 +28685,7 @@
                 <a:cs typeface="Courier"/>
                 <a:sym typeface="Courier New"/>
               </a:rPr>
-              <a:t>bigword</a:t>
+              <a:t>λέξη</a:t>
             </a:r>
             <a:r>
               <a:rPr lang="en-US" sz="2400" i="0" u="none" strike="noStrike" cap="none" dirty="0">
@@ -28307,10 +28697,10 @@
                 <a:cs typeface="Courier"/>
                 <a:sym typeface="Courier New"/>
               </a:rPr>
-              <a:t>, </a:t>
-            </a:r>
-            <a:r>
-              <a:rPr lang="en-US" sz="2400" i="0" u="none" strike="noStrike" cap="none" dirty="0" err="1">
+              <a:t>, max</a:t>
+            </a:r>
+            <a:r>
+              <a:rPr lang="el-GR" sz="2400" i="0" u="none" strike="noStrike" cap="none" dirty="0">
                 <a:solidFill>
                   <a:srgbClr val="FFFFFF"/>
                 </a:solidFill>
@@ -28319,7 +28709,7 @@
                 <a:cs typeface="Courier"/>
                 <a:sym typeface="Courier New"/>
               </a:rPr>
-              <a:t>bigcount</a:t>
+              <a:t>πλήθος</a:t>
             </a:r>
             <a:r>
               <a:rPr lang="en-US" sz="2400" i="0" u="none" strike="noStrike" cap="none" dirty="0">
@@ -29674,6 +30064,39 @@
           </a:p>
         </p:txBody>
       </p:sp>
+      <p:pic>
+        <p:nvPicPr>
+          <p:cNvPr id="6" name="Shape 536">
+            <a:extLst>
+              <a:ext uri="{FF2B5EF4-FFF2-40B4-BE49-F238E27FC236}">
+                <a16:creationId xmlns:a16="http://schemas.microsoft.com/office/drawing/2014/main" id="{BE10AF01-D437-453D-BE38-BD03821DC145}"/>
+              </a:ext>
+            </a:extLst>
+          </p:cNvPr>
+          <p:cNvPicPr preferRelativeResize="0"/>
+          <p:nvPr/>
+        </p:nvPicPr>
+        <p:blipFill rotWithShape="1">
+          <a:blip r:embed="rId5">
+            <a:alphaModFix/>
+          </a:blip>
+          <a:srcRect/>
+          <a:stretch/>
+        </p:blipFill>
+        <p:spPr>
+          <a:xfrm>
+            <a:off x="643300" y="789709"/>
+            <a:ext cx="1024800" cy="1024800"/>
+          </a:xfrm>
+          <a:prstGeom prst="rect">
+            <a:avLst/>
+          </a:prstGeom>
+          <a:noFill/>
+          <a:ln>
+            <a:noFill/>
+          </a:ln>
+        </p:spPr>
+      </p:pic>
     </p:spTree>
   </p:cSld>
   <p:clrMapOvr>

--- a/lectures3/gr/Pythonlearn-02-Expressions.pptx
+++ b/lectures3/gr/Pythonlearn-02-Expressions.pptx
@@ -573,47 +573,57 @@
           </a:bodyPr>
           <a:lstStyle/>
           <a:p>
-            <a:pPr lvl="0" rtl="0">
-              <a:spcBef>
-                <a:spcPts val="0"/>
-              </a:spcBef>
-              <a:buClr>
-                <a:schemeClr val="dk2"/>
-              </a:buClr>
-              <a:buSzPct val="78571"/>
-              <a:buFont typeface="Arial"/>
+            <a:pPr lvl="0">
+              <a:spcBef>
+                <a:spcPts val="0"/>
+              </a:spcBef>
               <a:buNone/>
             </a:pPr>
             <a:r>
+              <a:rPr lang="el-GR" dirty="0">
+                <a:solidFill>
+                  <a:schemeClr val="dk2"/>
+                </a:solidFill>
+              </a:rPr>
+              <a:t>Σημείωση από τον </a:t>
+            </a:r>
+            <a:r>
               <a:rPr lang="en-US" dirty="0">
                 <a:solidFill>
                   <a:schemeClr val="dk2"/>
                 </a:solidFill>
               </a:rPr>
-              <a:t>Note from Chuck.  If you are using these materials, you can remove the UM logo and replace it with your own, but please retain the CC-BY logo on the first page as well as retain the acknowledgement page(s)</a:t>
-            </a:r>
-            <a:r>
-              <a:rPr lang="en-US" baseline="0" dirty="0">
+              <a:t> Chuck</a:t>
+            </a:r>
+            <a:r>
+              <a:rPr lang="el-GR" dirty="0">
                 <a:solidFill>
                   <a:schemeClr val="dk2"/>
                 </a:solidFill>
               </a:rPr>
-              <a:t> at the end.</a:t>
+              <a:t>. Εάν χρησιμοποιείτε αυτό το υλικό, μπορείτε να αφαιρέσετε το λογότυπο UM και να το αντικαταστήσετε με το δικό σας, αλλά διατηρήστε το λογότυπο CC-BY στην πρώτη σελίδα καθώς την/τις σελίδα/</a:t>
+            </a:r>
+            <a:r>
+              <a:rPr lang="el-GR" dirty="0" err="1">
+                <a:solidFill>
+                  <a:schemeClr val="dk2"/>
+                </a:solidFill>
+              </a:rPr>
+              <a:t>ες</a:t>
+            </a:r>
+            <a:r>
+              <a:rPr lang="el-GR" dirty="0">
+                <a:solidFill>
+                  <a:schemeClr val="dk2"/>
+                </a:solidFill>
+              </a:rPr>
+              <a:t> αναγνώρισης.</a:t>
             </a:r>
             <a:endParaRPr lang="en-US" dirty="0">
               <a:solidFill>
                 <a:schemeClr val="dk2"/>
               </a:solidFill>
             </a:endParaRPr>
-          </a:p>
-          <a:p>
-            <a:pPr lvl="0">
-              <a:spcBef>
-                <a:spcPts val="0"/>
-              </a:spcBef>
-              <a:buNone/>
-            </a:pPr>
-            <a:endParaRPr dirty="0"/>
           </a:p>
         </p:txBody>
       </p:sp>

--- a/lectures3/gr/Pythonlearn-02-Expressions.pptx
+++ b/lectures3/gr/Pythonlearn-02-Expressions.pptx
@@ -29439,7 +29439,7 @@
                 <a:cs typeface="Arial" charset="0"/>
                 <a:sym typeface="Cabin"/>
               </a:rPr>
-              <a:t>Γράψτε ένα πρόγραμμα που θα ζητά από το χρήστη ώρες και ποσό ανά ώρα, για τον υπολογισμό του ακαθάριστου μισθού.</a:t>
+              <a:t>Γράψτε ένα πρόγραμμα που θα ζητά από το χρήστη ώρες και ωρομίσθιο, για τον υπολογισμό του ακαθάριστου μισθού.</a:t>
             </a:r>
             <a:br>
               <a:rPr lang="en-US" sz="3800" u="none" strike="noStrike" cap="none" dirty="0">
@@ -29481,7 +29481,7 @@
               <a:buNone/>
             </a:pPr>
             <a:r>
-              <a:rPr lang="el-GR" sz="3800" u="none" strike="noStrike" cap="none" dirty="0">
+              <a:rPr lang="el-GR" sz="3800" u="none" strike="noStrike" cap="none">
                 <a:solidFill>
                   <a:schemeClr val="lt1"/>
                 </a:solidFill>
@@ -29490,7 +29490,19 @@
                 <a:cs typeface="Courier" charset="0"/>
                 <a:sym typeface="Cabin"/>
               </a:rPr>
-              <a:t>Δώστε Ώρες</a:t>
+              <a:t>Εισάγετε τις </a:t>
+            </a:r>
+            <a:r>
+              <a:rPr lang="el-GR" sz="3800" u="none" strike="noStrike" cap="none" dirty="0">
+                <a:solidFill>
+                  <a:schemeClr val="lt1"/>
+                </a:solidFill>
+                <a:latin typeface="Courier" charset="0"/>
+                <a:ea typeface="Courier" charset="0"/>
+                <a:cs typeface="Courier" charset="0"/>
+                <a:sym typeface="Cabin"/>
+              </a:rPr>
+              <a:t>Ώρες</a:t>
             </a:r>
             <a:r>
               <a:rPr lang="en-US" sz="3800" u="none" strike="noStrike" cap="none" dirty="0">
@@ -29557,7 +29569,7 @@
                 <a:cs typeface="Courier" charset="0"/>
                 <a:sym typeface="Cabin"/>
               </a:rPr>
-              <a:t>Δώστε Ποσό/Ώρα</a:t>
+              <a:t>Εισάγετε το Ωρομίσθιο</a:t>
             </a:r>
             <a:r>
               <a:rPr lang="en-US" sz="3800" u="none" strike="noStrike" cap="none" dirty="0">
